--- a/Uwatch digital forensic tool.pptx
+++ b/Uwatch digital forensic tool.pptx
@@ -11,6 +11,9 @@
     <p:sldId id="259" r:id="rId5"/>
     <p:sldId id="260" r:id="rId6"/>
     <p:sldId id="261" r:id="rId7"/>
+    <p:sldId id="262" r:id="rId8"/>
+    <p:sldId id="263" r:id="rId9"/>
+    <p:sldId id="264" r:id="rId10"/>
   </p:sldIdLst>
   <p:sldSz cx="12192000" cy="6858000"/>
   <p:notesSz cx="6858000" cy="9144000"/>
@@ -21115,6 +21118,324 @@
 </p:sld>
 </file>
 
+<file path=ppt/slides/slide7.xml><?xml version="1.0" encoding="utf-8"?>
+<p:sld xmlns:a="http://schemas.openxmlformats.org/drawingml/2006/main" xmlns:r="http://schemas.openxmlformats.org/officeDocument/2006/relationships" xmlns:p="http://schemas.openxmlformats.org/presentationml/2006/main">
+  <p:cSld>
+    <p:spTree>
+      <p:nvGrpSpPr>
+        <p:cNvPr id="1" name=""/>
+        <p:cNvGrpSpPr/>
+        <p:nvPr/>
+      </p:nvGrpSpPr>
+      <p:grpSpPr>
+        <a:xfrm>
+          <a:off x="0" y="0"/>
+          <a:ext cx="0" cy="0"/>
+          <a:chOff x="0" y="0"/>
+          <a:chExt cx="0" cy="0"/>
+        </a:xfrm>
+      </p:grpSpPr>
+      <p:sp>
+        <p:nvSpPr>
+          <p:cNvPr id="2" name="Title 1"/>
+          <p:cNvSpPr>
+            <a:spLocks noGrp="1"/>
+          </p:cNvSpPr>
+          <p:nvPr>
+            <p:ph type="title"/>
+          </p:nvPr>
+        </p:nvSpPr>
+        <p:spPr/>
+        <p:txBody>
+          <a:bodyPr/>
+          <a:lstStyle/>
+          <a:p>
+            <a:r>
+              <a:rPr lang="en-US" dirty="0" smtClean="0"/>
+              <a:t>Prototype WITNESSES </a:t>
+            </a:r>
+            <a:r>
+              <a:rPr lang="en-US" dirty="0" err="1" smtClean="0"/>
+              <a:t>APPlicatio</a:t>
+            </a:r>
+            <a:r>
+              <a:rPr lang="en-US" dirty="0" err="1"/>
+              <a:t>n</a:t>
+            </a:r>
+            <a:endParaRPr lang="en-US" dirty="0"/>
+          </a:p>
+        </p:txBody>
+      </p:sp>
+      <p:pic>
+        <p:nvPicPr>
+          <p:cNvPr id="4" name="Content Placeholder 3"/>
+          <p:cNvPicPr>
+            <a:picLocks noGrp="1" noChangeAspect="1"/>
+          </p:cNvPicPr>
+          <p:nvPr>
+            <p:ph idx="1"/>
+          </p:nvPr>
+        </p:nvPicPr>
+        <p:blipFill>
+          <a:blip r:embed="rId2">
+            <a:extLst>
+              <a:ext uri="{28A0092B-C50C-407E-A947-70E740481C1C}">
+                <a14:useLocalDpi xmlns:a14="http://schemas.microsoft.com/office/drawing/2010/main" val="0"/>
+              </a:ext>
+            </a:extLst>
+          </a:blip>
+          <a:stretch>
+            <a:fillRect/>
+          </a:stretch>
+        </p:blipFill>
+        <p:spPr>
+          <a:xfrm>
+            <a:off x="2688371" y="2286000"/>
+            <a:ext cx="6391395" cy="4022725"/>
+          </a:xfrm>
+        </p:spPr>
+      </p:pic>
+      <p:pic>
+        <p:nvPicPr>
+          <p:cNvPr id="5" name="Picture 4"/>
+          <p:cNvPicPr>
+            <a:picLocks noChangeAspect="1"/>
+          </p:cNvPicPr>
+          <p:nvPr/>
+        </p:nvPicPr>
+        <p:blipFill>
+          <a:blip r:embed="rId3">
+            <a:extLst>
+              <a:ext uri="{28A0092B-C50C-407E-A947-70E740481C1C}">
+                <a14:useLocalDpi xmlns:a14="http://schemas.microsoft.com/office/drawing/2010/main" val="0"/>
+              </a:ext>
+            </a:extLst>
+          </a:blip>
+          <a:stretch>
+            <a:fillRect/>
+          </a:stretch>
+        </p:blipFill>
+        <p:spPr>
+          <a:xfrm>
+            <a:off x="1024128" y="1911551"/>
+            <a:ext cx="9468396" cy="4771622"/>
+          </a:xfrm>
+          <a:prstGeom prst="rect">
+            <a:avLst/>
+          </a:prstGeom>
+        </p:spPr>
+      </p:pic>
+    </p:spTree>
+    <p:extLst>
+      <p:ext uri="{BB962C8B-B14F-4D97-AF65-F5344CB8AC3E}">
+        <p14:creationId xmlns:p14="http://schemas.microsoft.com/office/powerpoint/2010/main" val="4194508798"/>
+      </p:ext>
+    </p:extLst>
+  </p:cSld>
+  <p:clrMapOvr>
+    <a:masterClrMapping/>
+  </p:clrMapOvr>
+</p:sld>
+</file>
+
+<file path=ppt/slides/slide8.xml><?xml version="1.0" encoding="utf-8"?>
+<p:sld xmlns:a="http://schemas.openxmlformats.org/drawingml/2006/main" xmlns:r="http://schemas.openxmlformats.org/officeDocument/2006/relationships" xmlns:p="http://schemas.openxmlformats.org/presentationml/2006/main">
+  <p:cSld>
+    <p:spTree>
+      <p:nvGrpSpPr>
+        <p:cNvPr id="1" name=""/>
+        <p:cNvGrpSpPr/>
+        <p:nvPr/>
+      </p:nvGrpSpPr>
+      <p:grpSpPr>
+        <a:xfrm>
+          <a:off x="0" y="0"/>
+          <a:ext cx="0" cy="0"/>
+          <a:chOff x="0" y="0"/>
+          <a:chExt cx="0" cy="0"/>
+        </a:xfrm>
+      </p:grpSpPr>
+      <p:sp>
+        <p:nvSpPr>
+          <p:cNvPr id="2" name="Title 1"/>
+          <p:cNvSpPr>
+            <a:spLocks noGrp="1"/>
+          </p:cNvSpPr>
+          <p:nvPr>
+            <p:ph type="title"/>
+          </p:nvPr>
+        </p:nvSpPr>
+        <p:spPr/>
+        <p:txBody>
+          <a:bodyPr>
+            <a:normAutofit/>
+          </a:bodyPr>
+          <a:lstStyle/>
+          <a:p>
+            <a:r>
+              <a:rPr lang="en-US" dirty="0" smtClean="0"/>
+              <a:t>DESKTOP VERSION FOR LAW ENFORCEMENT &amp; JUDICIARY</a:t>
+            </a:r>
+            <a:endParaRPr lang="en-US" dirty="0"/>
+          </a:p>
+        </p:txBody>
+      </p:sp>
+      <p:pic>
+        <p:nvPicPr>
+          <p:cNvPr id="4" name="Content Placeholder 3"/>
+          <p:cNvPicPr>
+            <a:picLocks noGrp="1" noChangeAspect="1"/>
+          </p:cNvPicPr>
+          <p:nvPr>
+            <p:ph idx="1"/>
+          </p:nvPr>
+        </p:nvPicPr>
+        <p:blipFill>
+          <a:blip r:embed="rId2">
+            <a:extLst>
+              <a:ext uri="{28A0092B-C50C-407E-A947-70E740481C1C}">
+                <a14:useLocalDpi xmlns:a14="http://schemas.microsoft.com/office/drawing/2010/main" val="0"/>
+              </a:ext>
+            </a:extLst>
+          </a:blip>
+          <a:stretch>
+            <a:fillRect/>
+          </a:stretch>
+        </p:blipFill>
+        <p:spPr>
+          <a:xfrm>
+            <a:off x="2688371" y="2286000"/>
+            <a:ext cx="6391395" cy="4022725"/>
+          </a:xfrm>
+        </p:spPr>
+      </p:pic>
+    </p:spTree>
+    <p:extLst>
+      <p:ext uri="{BB962C8B-B14F-4D97-AF65-F5344CB8AC3E}">
+        <p14:creationId xmlns:p14="http://schemas.microsoft.com/office/powerpoint/2010/main" val="3699430407"/>
+      </p:ext>
+    </p:extLst>
+  </p:cSld>
+  <p:clrMapOvr>
+    <a:masterClrMapping/>
+  </p:clrMapOvr>
+</p:sld>
+</file>
+
+<file path=ppt/slides/slide9.xml><?xml version="1.0" encoding="utf-8"?>
+<p:sld xmlns:a="http://schemas.openxmlformats.org/drawingml/2006/main" xmlns:r="http://schemas.openxmlformats.org/officeDocument/2006/relationships" xmlns:p="http://schemas.openxmlformats.org/presentationml/2006/main">
+  <p:cSld>
+    <p:spTree>
+      <p:nvGrpSpPr>
+        <p:cNvPr id="1" name=""/>
+        <p:cNvGrpSpPr/>
+        <p:nvPr/>
+      </p:nvGrpSpPr>
+      <p:grpSpPr>
+        <a:xfrm>
+          <a:off x="0" y="0"/>
+          <a:ext cx="0" cy="0"/>
+          <a:chOff x="0" y="0"/>
+          <a:chExt cx="0" cy="0"/>
+        </a:xfrm>
+      </p:grpSpPr>
+      <p:sp>
+        <p:nvSpPr>
+          <p:cNvPr id="2" name="Title 1"/>
+          <p:cNvSpPr>
+            <a:spLocks noGrp="1"/>
+          </p:cNvSpPr>
+          <p:nvPr>
+            <p:ph type="title"/>
+          </p:nvPr>
+        </p:nvSpPr>
+        <p:spPr/>
+        <p:txBody>
+          <a:bodyPr/>
+          <a:lstStyle/>
+          <a:p>
+            <a:r>
+              <a:rPr lang="en-US" dirty="0" smtClean="0"/>
+              <a:t>METHODOLOGY</a:t>
+            </a:r>
+            <a:endParaRPr lang="en-US" dirty="0"/>
+          </a:p>
+        </p:txBody>
+      </p:sp>
+      <p:sp>
+        <p:nvSpPr>
+          <p:cNvPr id="3" name="Content Placeholder 2"/>
+          <p:cNvSpPr>
+            <a:spLocks noGrp="1"/>
+          </p:cNvSpPr>
+          <p:nvPr>
+            <p:ph idx="1"/>
+          </p:nvPr>
+        </p:nvSpPr>
+        <p:spPr/>
+        <p:txBody>
+          <a:bodyPr/>
+          <a:lstStyle/>
+          <a:p>
+            <a:r>
+              <a:rPr lang="en-US" dirty="0" smtClean="0"/>
+              <a:t>We plan on using agile approach since the system may need to change in future.</a:t>
+            </a:r>
+          </a:p>
+          <a:p>
+            <a:r>
+              <a:rPr lang="en-US" dirty="0" smtClean="0"/>
+              <a:t>This incremental approach allows us to test each of the small components of the system independently</a:t>
+            </a:r>
+          </a:p>
+          <a:p>
+            <a:r>
+              <a:rPr lang="en-US" dirty="0" smtClean="0"/>
+              <a:t>Changes in the requirements may be made in this approach so maybe our limitations changing in the implementation phase will not be a problem</a:t>
+            </a:r>
+          </a:p>
+          <a:p>
+            <a:endParaRPr lang="en-US" dirty="0"/>
+          </a:p>
+          <a:p>
+            <a:r>
+              <a:rPr lang="en-US" dirty="0" smtClean="0"/>
+              <a:t>We plan on using java EE since our team is more comfortable in the java environment even though </a:t>
+            </a:r>
+            <a:r>
+              <a:rPr lang="en-US" dirty="0" err="1" smtClean="0"/>
+              <a:t>django</a:t>
+            </a:r>
+            <a:r>
+              <a:rPr lang="en-US" dirty="0" smtClean="0"/>
+              <a:t> python is said to have faster implementation.</a:t>
+            </a:r>
+          </a:p>
+          <a:p>
+            <a:r>
+              <a:rPr lang="en-US" dirty="0" smtClean="0"/>
+              <a:t> </a:t>
+            </a:r>
+            <a:endParaRPr lang="en-US" dirty="0"/>
+          </a:p>
+          <a:p>
+            <a:endParaRPr lang="en-US" dirty="0"/>
+          </a:p>
+        </p:txBody>
+      </p:sp>
+    </p:spTree>
+    <p:extLst>
+      <p:ext uri="{BB962C8B-B14F-4D97-AF65-F5344CB8AC3E}">
+        <p14:creationId xmlns:p14="http://schemas.microsoft.com/office/powerpoint/2010/main" val="1974559114"/>
+      </p:ext>
+    </p:extLst>
+  </p:cSld>
+  <p:clrMapOvr>
+    <a:masterClrMapping/>
+  </p:clrMapOvr>
+</p:sld>
+</file>
+
 <file path=ppt/theme/theme1.xml><?xml version="1.0" encoding="utf-8"?>
 <a:theme xmlns:a="http://schemas.openxmlformats.org/drawingml/2006/main" name="Integral">
   <a:themeElements>

--- a/Uwatch digital forensic tool.pptx
+++ b/Uwatch digital forensic tool.pptx
@@ -112,6 +112,11 @@
       </a:defRPr>
     </a:lvl9pPr>
   </p:defaultTextStyle>
+  <p:extLst>
+    <p:ext uri="{EFAFB233-063F-42B5-8137-9DF3F51BA10A}">
+      <p15:sldGuideLst xmlns:p15="http://schemas.microsoft.com/office/powerpoint/2012/main"/>
+    </p:ext>
+  </p:extLst>
 </p:presentation>
 </file>
 
@@ -21374,7 +21379,9 @@
         </p:nvSpPr>
         <p:spPr/>
         <p:txBody>
-          <a:bodyPr/>
+          <a:bodyPr>
+            <a:normAutofit lnSpcReduction="10000"/>
+          </a:bodyPr>
           <a:lstStyle/>
           <a:p>
             <a:r>
@@ -21408,8 +21415,13 @@
             </a:r>
             <a:r>
               <a:rPr lang="en-US" dirty="0" smtClean="0"/>
-              <a:t> python is said to have faster implementation.</a:t>
+              <a:t> python is said to have faster </a:t>
             </a:r>
+            <a:r>
+              <a:rPr lang="en-US" dirty="0" smtClean="0"/>
+              <a:t>implementation. Also we have done minor research in the security aspects of java EE and feel assured by the various security frameworks provided.</a:t>
+            </a:r>
+            <a:endParaRPr lang="en-US" dirty="0" smtClean="0"/>
           </a:p>
           <a:p>
             <a:r>
